--- a/data-raw/plantilla_vladimir.pptx
+++ b/data-raw/plantilla_vladimir.pptx
@@ -403,7 +403,7 @@
           <a:p>
             <a:fld id="{F909BF1F-2205-463C-8314-F001358D3E2A}" type="datetimeFigureOut">
               <a:rPr lang="es-MX" smtClean="0"/>
-              <a:t>31/10/2024</a:t>
+              <a:t>01/11/2024</a:t>
             </a:fld>
             <a:endParaRPr lang="es-MX"/>
           </a:p>
@@ -2487,14 +2487,14 @@
           <a:effectLst/>
           <a:extLst>
             <a:ext uri="{909E8E84-426E-40dd-AFC4-6F175D3DCCD1}">
-              <a14:hiddenFill xmlns="" xmlns:a14="http://schemas.microsoft.com/office/drawing/2010/main">
+              <a14:hiddenFill xmlns:a14="http://schemas.microsoft.com/office/drawing/2010/main" xmlns="">
                 <a:solidFill>
                   <a:schemeClr val="accent1"/>
                 </a:solidFill>
               </a14:hiddenFill>
             </a:ext>
             <a:ext uri="{91240B29-F687-4f45-9708-019B960494DF}">
-              <a14:hiddenLine xmlns="" xmlns:a14="http://schemas.microsoft.com/office/drawing/2010/main" w="9525">
+              <a14:hiddenLine xmlns:a14="http://schemas.microsoft.com/office/drawing/2010/main" xmlns="" w="9525">
                 <a:solidFill>
                   <a:schemeClr val="tx1"/>
                 </a:solidFill>
@@ -2504,7 +2504,7 @@
               </a14:hiddenLine>
             </a:ext>
             <a:ext uri="{AF507438-7753-43e0-B8FC-AC1667EBCBE1}">
-              <a14:hiddenEffects xmlns="" xmlns:a14="http://schemas.microsoft.com/office/drawing/2010/main">
+              <a14:hiddenEffects xmlns:a14="http://schemas.microsoft.com/office/drawing/2010/main" xmlns="">
                 <a:effectLst>
                   <a:outerShdw dist="35921" dir="2700000" algn="ctr" rotWithShape="0">
                     <a:schemeClr val="bg2"/>
@@ -2643,14 +2643,14 @@
           <a:effectLst/>
           <a:extLst>
             <a:ext uri="{909E8E84-426E-40dd-AFC4-6F175D3DCCD1}">
-              <a14:hiddenFill xmlns="" xmlns:a14="http://schemas.microsoft.com/office/drawing/2010/main">
+              <a14:hiddenFill xmlns:a14="http://schemas.microsoft.com/office/drawing/2010/main" xmlns="">
                 <a:solidFill>
                   <a:schemeClr val="accent1"/>
                 </a:solidFill>
               </a14:hiddenFill>
             </a:ext>
             <a:ext uri="{91240B29-F687-4f45-9708-019B960494DF}">
-              <a14:hiddenLine xmlns="" xmlns:a14="http://schemas.microsoft.com/office/drawing/2010/main" w="9525">
+              <a14:hiddenLine xmlns:a14="http://schemas.microsoft.com/office/drawing/2010/main" xmlns="" w="9525">
                 <a:solidFill>
                   <a:schemeClr val="tx1"/>
                 </a:solidFill>
@@ -2660,7 +2660,7 @@
               </a14:hiddenLine>
             </a:ext>
             <a:ext uri="{AF507438-7753-43e0-B8FC-AC1667EBCBE1}">
-              <a14:hiddenEffects xmlns="" xmlns:a14="http://schemas.microsoft.com/office/drawing/2010/main">
+              <a14:hiddenEffects xmlns:a14="http://schemas.microsoft.com/office/drawing/2010/main" xmlns="">
                 <a:effectLst>
                   <a:outerShdw dist="35921" dir="2700000" algn="ctr" rotWithShape="0">
                     <a:schemeClr val="bg2"/>
@@ -3209,14 +3209,14 @@
           <a:effectLst/>
           <a:extLst>
             <a:ext uri="{909E8E84-426E-40dd-AFC4-6F175D3DCCD1}">
-              <a14:hiddenFill xmlns="" xmlns:a14="http://schemas.microsoft.com/office/drawing/2010/main">
+              <a14:hiddenFill xmlns:a14="http://schemas.microsoft.com/office/drawing/2010/main" xmlns="">
                 <a:solidFill>
                   <a:schemeClr val="accent1"/>
                 </a:solidFill>
               </a14:hiddenFill>
             </a:ext>
             <a:ext uri="{91240B29-F687-4f45-9708-019B960494DF}">
-              <a14:hiddenLine xmlns="" xmlns:a14="http://schemas.microsoft.com/office/drawing/2010/main" w="9525">
+              <a14:hiddenLine xmlns:a14="http://schemas.microsoft.com/office/drawing/2010/main" xmlns="" w="9525">
                 <a:solidFill>
                   <a:schemeClr val="tx1"/>
                 </a:solidFill>
@@ -3226,7 +3226,7 @@
               </a14:hiddenLine>
             </a:ext>
             <a:ext uri="{AF507438-7753-43e0-B8FC-AC1667EBCBE1}">
-              <a14:hiddenEffects xmlns="" xmlns:a14="http://schemas.microsoft.com/office/drawing/2010/main">
+              <a14:hiddenEffects xmlns:a14="http://schemas.microsoft.com/office/drawing/2010/main" xmlns="">
                 <a:effectLst>
                   <a:outerShdw dist="35921" dir="2700000" algn="ctr" rotWithShape="0">
                     <a:schemeClr val="bg2"/>
@@ -3661,14 +3661,14 @@
           <a:effectLst/>
           <a:extLst>
             <a:ext uri="{909E8E84-426E-40dd-AFC4-6F175D3DCCD1}">
-              <a14:hiddenFill xmlns="" xmlns:a14="http://schemas.microsoft.com/office/drawing/2010/main">
+              <a14:hiddenFill xmlns:a14="http://schemas.microsoft.com/office/drawing/2010/main" xmlns="">
                 <a:solidFill>
                   <a:schemeClr val="accent1"/>
                 </a:solidFill>
               </a14:hiddenFill>
             </a:ext>
             <a:ext uri="{91240B29-F687-4f45-9708-019B960494DF}">
-              <a14:hiddenLine xmlns="" xmlns:a14="http://schemas.microsoft.com/office/drawing/2010/main" w="9525">
+              <a14:hiddenLine xmlns:a14="http://schemas.microsoft.com/office/drawing/2010/main" xmlns="" w="9525">
                 <a:solidFill>
                   <a:schemeClr val="tx1"/>
                 </a:solidFill>
@@ -3678,7 +3678,7 @@
               </a14:hiddenLine>
             </a:ext>
             <a:ext uri="{AF507438-7753-43e0-B8FC-AC1667EBCBE1}">
-              <a14:hiddenEffects xmlns="" xmlns:a14="http://schemas.microsoft.com/office/drawing/2010/main">
+              <a14:hiddenEffects xmlns:a14="http://schemas.microsoft.com/office/drawing/2010/main" xmlns="">
                 <a:effectLst>
                   <a:outerShdw dist="35921" dir="2700000" algn="ctr" rotWithShape="0">
                     <a:schemeClr val="bg2"/>
@@ -4050,14 +4050,14 @@
           <a:effectLst/>
           <a:extLst>
             <a:ext uri="{909E8E84-426E-40dd-AFC4-6F175D3DCCD1}">
-              <a14:hiddenFill xmlns="" xmlns:a14="http://schemas.microsoft.com/office/drawing/2010/main">
+              <a14:hiddenFill xmlns:a14="http://schemas.microsoft.com/office/drawing/2010/main" xmlns="">
                 <a:solidFill>
                   <a:schemeClr val="accent1"/>
                 </a:solidFill>
               </a14:hiddenFill>
             </a:ext>
             <a:ext uri="{91240B29-F687-4f45-9708-019B960494DF}">
-              <a14:hiddenLine xmlns="" xmlns:a14="http://schemas.microsoft.com/office/drawing/2010/main" w="9525">
+              <a14:hiddenLine xmlns:a14="http://schemas.microsoft.com/office/drawing/2010/main" xmlns="" w="9525">
                 <a:solidFill>
                   <a:schemeClr val="tx1"/>
                 </a:solidFill>
@@ -4067,7 +4067,7 @@
               </a14:hiddenLine>
             </a:ext>
             <a:ext uri="{AF507438-7753-43e0-B8FC-AC1667EBCBE1}">
-              <a14:hiddenEffects xmlns="" xmlns:a14="http://schemas.microsoft.com/office/drawing/2010/main">
+              <a14:hiddenEffects xmlns:a14="http://schemas.microsoft.com/office/drawing/2010/main" xmlns="">
                 <a:effectLst>
                   <a:outerShdw dist="35921" dir="2700000" algn="ctr" rotWithShape="0">
                     <a:schemeClr val="bg2"/>
@@ -4472,14 +4472,14 @@
           <a:effectLst/>
           <a:extLst>
             <a:ext uri="{909E8E84-426E-40dd-AFC4-6F175D3DCCD1}">
-              <a14:hiddenFill xmlns="" xmlns:a14="http://schemas.microsoft.com/office/drawing/2010/main">
+              <a14:hiddenFill xmlns:a14="http://schemas.microsoft.com/office/drawing/2010/main" xmlns="">
                 <a:solidFill>
                   <a:schemeClr val="accent1"/>
                 </a:solidFill>
               </a14:hiddenFill>
             </a:ext>
             <a:ext uri="{91240B29-F687-4f45-9708-019B960494DF}">
-              <a14:hiddenLine xmlns="" xmlns:a14="http://schemas.microsoft.com/office/drawing/2010/main" w="9525">
+              <a14:hiddenLine xmlns:a14="http://schemas.microsoft.com/office/drawing/2010/main" xmlns="" w="9525">
                 <a:solidFill>
                   <a:schemeClr val="tx1"/>
                 </a:solidFill>
@@ -4489,7 +4489,7 @@
               </a14:hiddenLine>
             </a:ext>
             <a:ext uri="{AF507438-7753-43e0-B8FC-AC1667EBCBE1}">
-              <a14:hiddenEffects xmlns="" xmlns:a14="http://schemas.microsoft.com/office/drawing/2010/main">
+              <a14:hiddenEffects xmlns:a14="http://schemas.microsoft.com/office/drawing/2010/main" xmlns="">
                 <a:effectLst>
                   <a:outerShdw dist="35921" dir="2700000" algn="ctr" rotWithShape="0">
                     <a:schemeClr val="bg2"/>
@@ -4886,14 +4886,14 @@
           <a:effectLst/>
           <a:extLst>
             <a:ext uri="{909E8E84-426E-40dd-AFC4-6F175D3DCCD1}">
-              <a14:hiddenFill xmlns="" xmlns:a14="http://schemas.microsoft.com/office/drawing/2010/main">
+              <a14:hiddenFill xmlns:a14="http://schemas.microsoft.com/office/drawing/2010/main" xmlns="">
                 <a:solidFill>
                   <a:schemeClr val="accent1"/>
                 </a:solidFill>
               </a14:hiddenFill>
             </a:ext>
             <a:ext uri="{91240B29-F687-4f45-9708-019B960494DF}">
-              <a14:hiddenLine xmlns="" xmlns:a14="http://schemas.microsoft.com/office/drawing/2010/main" w="9525">
+              <a14:hiddenLine xmlns:a14="http://schemas.microsoft.com/office/drawing/2010/main" xmlns="" w="9525">
                 <a:solidFill>
                   <a:schemeClr val="tx1"/>
                 </a:solidFill>
@@ -4903,7 +4903,7 @@
               </a14:hiddenLine>
             </a:ext>
             <a:ext uri="{AF507438-7753-43e0-B8FC-AC1667EBCBE1}">
-              <a14:hiddenEffects xmlns="" xmlns:a14="http://schemas.microsoft.com/office/drawing/2010/main">
+              <a14:hiddenEffects xmlns:a14="http://schemas.microsoft.com/office/drawing/2010/main" xmlns="">
                 <a:effectLst>
                   <a:outerShdw dist="35921" dir="2700000" algn="ctr" rotWithShape="0">
                     <a:schemeClr val="bg2"/>
@@ -6353,14 +6353,14 @@
           <a:effectLst/>
           <a:extLst>
             <a:ext uri="{909E8E84-426E-40dd-AFC4-6F175D3DCCD1}">
-              <a14:hiddenFill xmlns="" xmlns:a14="http://schemas.microsoft.com/office/drawing/2010/main">
+              <a14:hiddenFill xmlns:a14="http://schemas.microsoft.com/office/drawing/2010/main" xmlns="">
                 <a:solidFill>
                   <a:schemeClr val="accent1"/>
                 </a:solidFill>
               </a14:hiddenFill>
             </a:ext>
             <a:ext uri="{91240B29-F687-4f45-9708-019B960494DF}">
-              <a14:hiddenLine xmlns="" xmlns:a14="http://schemas.microsoft.com/office/drawing/2010/main" w="9525">
+              <a14:hiddenLine xmlns:a14="http://schemas.microsoft.com/office/drawing/2010/main" xmlns="" w="9525">
                 <a:solidFill>
                   <a:schemeClr val="tx1"/>
                 </a:solidFill>
@@ -6370,7 +6370,7 @@
               </a14:hiddenLine>
             </a:ext>
             <a:ext uri="{AF507438-7753-43e0-B8FC-AC1667EBCBE1}">
-              <a14:hiddenEffects xmlns="" xmlns:a14="http://schemas.microsoft.com/office/drawing/2010/main">
+              <a14:hiddenEffects xmlns:a14="http://schemas.microsoft.com/office/drawing/2010/main" xmlns="">
                 <a:effectLst>
                   <a:outerShdw dist="35921" dir="2700000" algn="ctr" rotWithShape="0">
                     <a:schemeClr val="bg2"/>
